--- a/Introduction to Django.pptx
+++ b/Introduction to Django.pptx
@@ -5,10 +5,10 @@
     <p:sldMasterId id="2147483669" r:id="rId4"/>
   </p:sldMasterIdLst>
   <p:notesMasterIdLst>
-    <p:notesMasterId r:id="rId11"/>
+    <p:notesMasterId r:id="rId17"/>
   </p:notesMasterIdLst>
   <p:handoutMasterIdLst>
-    <p:handoutMasterId r:id="rId12"/>
+    <p:handoutMasterId r:id="rId18"/>
   </p:handoutMasterIdLst>
   <p:sldIdLst>
     <p:sldId id="256" r:id="rId5"/>
@@ -17,6 +17,12 @@
     <p:sldId id="259" r:id="rId8"/>
     <p:sldId id="260" r:id="rId9"/>
     <p:sldId id="261" r:id="rId10"/>
+    <p:sldId id="262" r:id="rId11"/>
+    <p:sldId id="263" r:id="rId12"/>
+    <p:sldId id="264" r:id="rId13"/>
+    <p:sldId id="265" r:id="rId14"/>
+    <p:sldId id="266" r:id="rId15"/>
+    <p:sldId id="267" r:id="rId16"/>
   </p:sldIdLst>
   <p:sldSz cx="12192000" cy="6858000"/>
   <p:notesSz cx="6858000" cy="9144000"/>
@@ -220,7 +226,7 @@
           <a:p>
             <a:fld id="{2B85766F-5EC0-4797-B4D1-777FCB005B11}" type="datetimeFigureOut">
               <a:rPr lang="en-US" smtClean="0"/>
-              <a:t>2/20/2024</a:t>
+              <a:t>2/21/2024</a:t>
             </a:fld>
             <a:endParaRPr lang="en-US" dirty="0"/>
           </a:p>
@@ -397,7 +403,7 @@
           <a:p>
             <a:fld id="{B2B4B5EC-152C-4627-80C0-63B10D5574EF}" type="datetimeFigureOut">
               <a:rPr lang="en-US" smtClean="0"/>
-              <a:t>2/20/2024</a:t>
+              <a:t>2/21/2024</a:t>
             </a:fld>
             <a:endParaRPr lang="en-US" dirty="0"/>
           </a:p>
@@ -721,7 +727,7 @@
           <a:noFill/>
           <a:extLst>
             <a:ext uri="{909E8E84-426E-40dd-AFC4-6F175D3DCCD1}">
-              <a14:hiddenFill xmlns="" xmlns:a14="http://schemas.microsoft.com/office/drawing/2010/main">
+              <a14:hiddenFill xmlns:a14="http://schemas.microsoft.com/office/drawing/2010/main" xmlns="">
                 <a:solidFill>
                   <a:srgbClr val="FFFFFF"/>
                 </a:solidFill>
@@ -780,7 +786,7 @@
             </a:ln>
             <a:extLst>
               <a:ext uri="{91240B29-F687-4f45-9708-019B960494DF}">
-                <a14:hiddenLine xmlns="" xmlns:a14="http://schemas.microsoft.com/office/drawing/2010/main" w="9525">
+                <a14:hiddenLine xmlns:a14="http://schemas.microsoft.com/office/drawing/2010/main" xmlns="" w="9525">
                   <a:solidFill>
                     <a:srgbClr val="000000"/>
                   </a:solidFill>
@@ -870,7 +876,7 @@
             </a:ln>
             <a:extLst>
               <a:ext uri="{91240B29-F687-4f45-9708-019B960494DF}">
-                <a14:hiddenLine xmlns="" xmlns:a14="http://schemas.microsoft.com/office/drawing/2010/main" w="9525">
+                <a14:hiddenLine xmlns:a14="http://schemas.microsoft.com/office/drawing/2010/main" xmlns="" w="9525">
                   <a:solidFill>
                     <a:srgbClr val="000000"/>
                   </a:solidFill>
@@ -960,7 +966,7 @@
             </a:ln>
             <a:extLst>
               <a:ext uri="{91240B29-F687-4f45-9708-019B960494DF}">
-                <a14:hiddenLine xmlns="" xmlns:a14="http://schemas.microsoft.com/office/drawing/2010/main" w="9525">
+                <a14:hiddenLine xmlns:a14="http://schemas.microsoft.com/office/drawing/2010/main" xmlns="" w="9525">
                   <a:solidFill>
                     <a:srgbClr val="000000"/>
                   </a:solidFill>
@@ -994,7 +1000,7 @@
             </a:ln>
             <a:extLst>
               <a:ext uri="{91240B29-F687-4f45-9708-019B960494DF}">
-                <a14:hiddenLine xmlns="" xmlns:a14="http://schemas.microsoft.com/office/drawing/2010/main" w="9525">
+                <a14:hiddenLine xmlns:a14="http://schemas.microsoft.com/office/drawing/2010/main" xmlns="" w="9525">
                   <a:solidFill>
                     <a:srgbClr val="000000"/>
                   </a:solidFill>
@@ -1084,7 +1090,7 @@
             </a:ln>
             <a:extLst>
               <a:ext uri="{91240B29-F687-4f45-9708-019B960494DF}">
-                <a14:hiddenLine xmlns="" xmlns:a14="http://schemas.microsoft.com/office/drawing/2010/main" w="9525">
+                <a14:hiddenLine xmlns:a14="http://schemas.microsoft.com/office/drawing/2010/main" xmlns="" w="9525">
                   <a:solidFill>
                     <a:srgbClr val="000000"/>
                   </a:solidFill>
@@ -1146,7 +1152,7 @@
             </a:ln>
             <a:extLst>
               <a:ext uri="{91240B29-F687-4f45-9708-019B960494DF}">
-                <a14:hiddenLine xmlns="" xmlns:a14="http://schemas.microsoft.com/office/drawing/2010/main" w="9525">
+                <a14:hiddenLine xmlns:a14="http://schemas.microsoft.com/office/drawing/2010/main" xmlns="" w="9525">
                   <a:solidFill>
                     <a:srgbClr val="000000"/>
                   </a:solidFill>
@@ -1208,7 +1214,7 @@
             </a:ln>
             <a:extLst>
               <a:ext uri="{91240B29-F687-4f45-9708-019B960494DF}">
-                <a14:hiddenLine xmlns="" xmlns:a14="http://schemas.microsoft.com/office/drawing/2010/main" w="9525">
+                <a14:hiddenLine xmlns:a14="http://schemas.microsoft.com/office/drawing/2010/main" xmlns="" w="9525">
                   <a:solidFill>
                     <a:srgbClr val="000000"/>
                   </a:solidFill>
@@ -1298,7 +1304,7 @@
             </a:ln>
             <a:extLst>
               <a:ext uri="{91240B29-F687-4f45-9708-019B960494DF}">
-                <a14:hiddenLine xmlns="" xmlns:a14="http://schemas.microsoft.com/office/drawing/2010/main" w="9525">
+                <a14:hiddenLine xmlns:a14="http://schemas.microsoft.com/office/drawing/2010/main" xmlns="" w="9525">
                   <a:solidFill>
                     <a:srgbClr val="000000"/>
                   </a:solidFill>
@@ -1360,7 +1366,7 @@
             </a:ln>
             <a:extLst>
               <a:ext uri="{91240B29-F687-4f45-9708-019B960494DF}">
-                <a14:hiddenLine xmlns="" xmlns:a14="http://schemas.microsoft.com/office/drawing/2010/main" w="9525">
+                <a14:hiddenLine xmlns:a14="http://schemas.microsoft.com/office/drawing/2010/main" xmlns="" w="9525">
                   <a:solidFill>
                     <a:srgbClr val="000000"/>
                   </a:solidFill>
@@ -1422,7 +1428,7 @@
             </a:ln>
             <a:extLst>
               <a:ext uri="{91240B29-F687-4f45-9708-019B960494DF}">
-                <a14:hiddenLine xmlns="" xmlns:a14="http://schemas.microsoft.com/office/drawing/2010/main" w="9525">
+                <a14:hiddenLine xmlns:a14="http://schemas.microsoft.com/office/drawing/2010/main" xmlns="" w="9525">
                   <a:solidFill>
                     <a:srgbClr val="000000"/>
                   </a:solidFill>
@@ -1512,7 +1518,7 @@
             </a:ln>
             <a:extLst>
               <a:ext uri="{91240B29-F687-4f45-9708-019B960494DF}">
-                <a14:hiddenLine xmlns="" xmlns:a14="http://schemas.microsoft.com/office/drawing/2010/main" w="9525">
+                <a14:hiddenLine xmlns:a14="http://schemas.microsoft.com/office/drawing/2010/main" xmlns="" w="9525">
                   <a:solidFill>
                     <a:srgbClr val="000000"/>
                   </a:solidFill>
@@ -1602,7 +1608,7 @@
             </a:ln>
             <a:extLst>
               <a:ext uri="{91240B29-F687-4f45-9708-019B960494DF}">
-                <a14:hiddenLine xmlns="" xmlns:a14="http://schemas.microsoft.com/office/drawing/2010/main" w="9525">
+                <a14:hiddenLine xmlns:a14="http://schemas.microsoft.com/office/drawing/2010/main" xmlns="" w="9525">
                   <a:solidFill>
                     <a:srgbClr val="000000"/>
                   </a:solidFill>
@@ -1664,7 +1670,7 @@
             </a:ln>
             <a:extLst>
               <a:ext uri="{91240B29-F687-4f45-9708-019B960494DF}">
-                <a14:hiddenLine xmlns="" xmlns:a14="http://schemas.microsoft.com/office/drawing/2010/main" w="9525">
+                <a14:hiddenLine xmlns:a14="http://schemas.microsoft.com/office/drawing/2010/main" xmlns="" w="9525">
                   <a:solidFill>
                     <a:srgbClr val="000000"/>
                   </a:solidFill>
@@ -1774,7 +1780,7 @@
             </a:ln>
             <a:extLst>
               <a:ext uri="{91240B29-F687-4f45-9708-019B960494DF}">
-                <a14:hiddenLine xmlns="" xmlns:a14="http://schemas.microsoft.com/office/drawing/2010/main" w="9525">
+                <a14:hiddenLine xmlns:a14="http://schemas.microsoft.com/office/drawing/2010/main" xmlns="" w="9525">
                   <a:solidFill>
                     <a:srgbClr val="000000"/>
                   </a:solidFill>
@@ -1836,7 +1842,7 @@
             </a:ln>
             <a:extLst>
               <a:ext uri="{91240B29-F687-4f45-9708-019B960494DF}">
-                <a14:hiddenLine xmlns="" xmlns:a14="http://schemas.microsoft.com/office/drawing/2010/main" w="9525">
+                <a14:hiddenLine xmlns:a14="http://schemas.microsoft.com/office/drawing/2010/main" xmlns="" w="9525">
                   <a:solidFill>
                     <a:srgbClr val="000000"/>
                   </a:solidFill>
@@ -1926,7 +1932,7 @@
             </a:ln>
             <a:extLst>
               <a:ext uri="{91240B29-F687-4f45-9708-019B960494DF}">
-                <a14:hiddenLine xmlns="" xmlns:a14="http://schemas.microsoft.com/office/drawing/2010/main" w="9525">
+                <a14:hiddenLine xmlns:a14="http://schemas.microsoft.com/office/drawing/2010/main" xmlns="" w="9525">
                   <a:solidFill>
                     <a:srgbClr val="000000"/>
                   </a:solidFill>
@@ -2016,7 +2022,7 @@
             </a:ln>
             <a:extLst>
               <a:ext uri="{91240B29-F687-4f45-9708-019B960494DF}">
-                <a14:hiddenLine xmlns="" xmlns:a14="http://schemas.microsoft.com/office/drawing/2010/main" w="9525">
+                <a14:hiddenLine xmlns:a14="http://schemas.microsoft.com/office/drawing/2010/main" xmlns="" w="9525">
                   <a:solidFill>
                     <a:srgbClr val="000000"/>
                   </a:solidFill>
@@ -2078,7 +2084,7 @@
             </a:ln>
             <a:extLst>
               <a:ext uri="{91240B29-F687-4f45-9708-019B960494DF}">
-                <a14:hiddenLine xmlns="" xmlns:a14="http://schemas.microsoft.com/office/drawing/2010/main" w="9525">
+                <a14:hiddenLine xmlns:a14="http://schemas.microsoft.com/office/drawing/2010/main" xmlns="" w="9525">
                   <a:solidFill>
                     <a:srgbClr val="000000"/>
                   </a:solidFill>
@@ -2168,7 +2174,7 @@
             </a:ln>
             <a:extLst>
               <a:ext uri="{91240B29-F687-4f45-9708-019B960494DF}">
-                <a14:hiddenLine xmlns="" xmlns:a14="http://schemas.microsoft.com/office/drawing/2010/main" w="9525">
+                <a14:hiddenLine xmlns:a14="http://schemas.microsoft.com/office/drawing/2010/main" xmlns="" w="9525">
                   <a:solidFill>
                     <a:srgbClr val="000000"/>
                   </a:solidFill>
@@ -2258,7 +2264,7 @@
             </a:ln>
             <a:extLst>
               <a:ext uri="{91240B29-F687-4f45-9708-019B960494DF}">
-                <a14:hiddenLine xmlns="" xmlns:a14="http://schemas.microsoft.com/office/drawing/2010/main" w="9525">
+                <a14:hiddenLine xmlns:a14="http://schemas.microsoft.com/office/drawing/2010/main" xmlns="" w="9525">
                   <a:solidFill>
                     <a:srgbClr val="000000"/>
                   </a:solidFill>
@@ -2314,7 +2320,7 @@
             </a:ln>
             <a:extLst>
               <a:ext uri="{91240B29-F687-4f45-9708-019B960494DF}">
-                <a14:hiddenLine xmlns="" xmlns:a14="http://schemas.microsoft.com/office/drawing/2010/main" w="9525">
+                <a14:hiddenLine xmlns:a14="http://schemas.microsoft.com/office/drawing/2010/main" xmlns="" w="9525">
                   <a:solidFill>
                     <a:srgbClr val="000000"/>
                   </a:solidFill>
@@ -2404,7 +2410,7 @@
             </a:ln>
             <a:extLst>
               <a:ext uri="{91240B29-F687-4f45-9708-019B960494DF}">
-                <a14:hiddenLine xmlns="" xmlns:a14="http://schemas.microsoft.com/office/drawing/2010/main" w="9525">
+                <a14:hiddenLine xmlns:a14="http://schemas.microsoft.com/office/drawing/2010/main" xmlns="" w="9525">
                   <a:solidFill>
                     <a:srgbClr val="000000"/>
                   </a:solidFill>
@@ -2460,7 +2466,7 @@
             </a:ln>
             <a:extLst>
               <a:ext uri="{91240B29-F687-4f45-9708-019B960494DF}">
-                <a14:hiddenLine xmlns="" xmlns:a14="http://schemas.microsoft.com/office/drawing/2010/main" w="9525">
+                <a14:hiddenLine xmlns:a14="http://schemas.microsoft.com/office/drawing/2010/main" xmlns="" w="9525">
                   <a:solidFill>
                     <a:srgbClr val="000000"/>
                   </a:solidFill>
@@ -2550,7 +2556,7 @@
             </a:ln>
             <a:extLst>
               <a:ext uri="{91240B29-F687-4f45-9708-019B960494DF}">
-                <a14:hiddenLine xmlns="" xmlns:a14="http://schemas.microsoft.com/office/drawing/2010/main" w="9525">
+                <a14:hiddenLine xmlns:a14="http://schemas.microsoft.com/office/drawing/2010/main" xmlns="" w="9525">
                   <a:solidFill>
                     <a:srgbClr val="000000"/>
                   </a:solidFill>
@@ -2618,7 +2624,7 @@
             </a:ln>
             <a:extLst>
               <a:ext uri="{91240B29-F687-4f45-9708-019B960494DF}">
-                <a14:hiddenLine xmlns="" xmlns:a14="http://schemas.microsoft.com/office/drawing/2010/main" w="9525">
+                <a14:hiddenLine xmlns:a14="http://schemas.microsoft.com/office/drawing/2010/main" xmlns="" w="9525">
                   <a:solidFill>
                     <a:srgbClr val="000000"/>
                   </a:solidFill>
@@ -2708,7 +2714,7 @@
             </a:ln>
             <a:extLst>
               <a:ext uri="{91240B29-F687-4f45-9708-019B960494DF}">
-                <a14:hiddenLine xmlns="" xmlns:a14="http://schemas.microsoft.com/office/drawing/2010/main" w="9525">
+                <a14:hiddenLine xmlns:a14="http://schemas.microsoft.com/office/drawing/2010/main" xmlns="" w="9525">
                   <a:solidFill>
                     <a:srgbClr val="000000"/>
                   </a:solidFill>
@@ -2776,7 +2782,7 @@
             </a:ln>
             <a:extLst>
               <a:ext uri="{91240B29-F687-4f45-9708-019B960494DF}">
-                <a14:hiddenLine xmlns="" xmlns:a14="http://schemas.microsoft.com/office/drawing/2010/main" w="9525">
+                <a14:hiddenLine xmlns:a14="http://schemas.microsoft.com/office/drawing/2010/main" xmlns="" w="9525">
                   <a:solidFill>
                     <a:srgbClr val="000000"/>
                   </a:solidFill>
@@ -2866,7 +2872,7 @@
             </a:ln>
             <a:extLst>
               <a:ext uri="{91240B29-F687-4f45-9708-019B960494DF}">
-                <a14:hiddenLine xmlns="" xmlns:a14="http://schemas.microsoft.com/office/drawing/2010/main" w="9525">
+                <a14:hiddenLine xmlns:a14="http://schemas.microsoft.com/office/drawing/2010/main" xmlns="" w="9525">
                   <a:solidFill>
                     <a:srgbClr val="000000"/>
                   </a:solidFill>
@@ -2900,7 +2906,7 @@
             </a:ln>
             <a:extLst>
               <a:ext uri="{91240B29-F687-4f45-9708-019B960494DF}">
-                <a14:hiddenLine xmlns="" xmlns:a14="http://schemas.microsoft.com/office/drawing/2010/main" w="9525">
+                <a14:hiddenLine xmlns:a14="http://schemas.microsoft.com/office/drawing/2010/main" xmlns="" w="9525">
                   <a:solidFill>
                     <a:srgbClr val="000000"/>
                   </a:solidFill>
@@ -2990,7 +2996,7 @@
             </a:ln>
             <a:extLst>
               <a:ext uri="{91240B29-F687-4f45-9708-019B960494DF}">
-                <a14:hiddenLine xmlns="" xmlns:a14="http://schemas.microsoft.com/office/drawing/2010/main" w="9525">
+                <a14:hiddenLine xmlns:a14="http://schemas.microsoft.com/office/drawing/2010/main" xmlns="" w="9525">
                   <a:solidFill>
                     <a:srgbClr val="000000"/>
                   </a:solidFill>
@@ -3052,7 +3058,7 @@
             </a:ln>
             <a:extLst>
               <a:ext uri="{91240B29-F687-4f45-9708-019B960494DF}">
-                <a14:hiddenLine xmlns="" xmlns:a14="http://schemas.microsoft.com/office/drawing/2010/main" w="9525">
+                <a14:hiddenLine xmlns:a14="http://schemas.microsoft.com/office/drawing/2010/main" xmlns="" w="9525">
                   <a:solidFill>
                     <a:srgbClr val="000000"/>
                   </a:solidFill>
@@ -3114,7 +3120,7 @@
             </a:ln>
             <a:extLst>
               <a:ext uri="{91240B29-F687-4f45-9708-019B960494DF}">
-                <a14:hiddenLine xmlns="" xmlns:a14="http://schemas.microsoft.com/office/drawing/2010/main" w="9525">
+                <a14:hiddenLine xmlns:a14="http://schemas.microsoft.com/office/drawing/2010/main" xmlns="" w="9525">
                   <a:solidFill>
                     <a:srgbClr val="000000"/>
                   </a:solidFill>
@@ -3204,7 +3210,7 @@
             </a:ln>
             <a:extLst>
               <a:ext uri="{91240B29-F687-4f45-9708-019B960494DF}">
-                <a14:hiddenLine xmlns="" xmlns:a14="http://schemas.microsoft.com/office/drawing/2010/main" w="9525">
+                <a14:hiddenLine xmlns:a14="http://schemas.microsoft.com/office/drawing/2010/main" xmlns="" w="9525">
                   <a:solidFill>
                     <a:srgbClr val="000000"/>
                   </a:solidFill>
@@ -3272,7 +3278,7 @@
             </a:ln>
             <a:extLst>
               <a:ext uri="{91240B29-F687-4f45-9708-019B960494DF}">
-                <a14:hiddenLine xmlns="" xmlns:a14="http://schemas.microsoft.com/office/drawing/2010/main" w="9525">
+                <a14:hiddenLine xmlns:a14="http://schemas.microsoft.com/office/drawing/2010/main" xmlns="" w="9525">
                   <a:solidFill>
                     <a:srgbClr val="000000"/>
                   </a:solidFill>
@@ -3334,7 +3340,7 @@
             </a:ln>
             <a:extLst>
               <a:ext uri="{91240B29-F687-4f45-9708-019B960494DF}">
-                <a14:hiddenLine xmlns="" xmlns:a14="http://schemas.microsoft.com/office/drawing/2010/main" w="9525">
+                <a14:hiddenLine xmlns:a14="http://schemas.microsoft.com/office/drawing/2010/main" xmlns="" w="9525">
                   <a:solidFill>
                     <a:srgbClr val="000000"/>
                   </a:solidFill>
@@ -3424,7 +3430,7 @@
             </a:ln>
             <a:extLst>
               <a:ext uri="{91240B29-F687-4f45-9708-019B960494DF}">
-                <a14:hiddenLine xmlns="" xmlns:a14="http://schemas.microsoft.com/office/drawing/2010/main" w="9525">
+                <a14:hiddenLine xmlns:a14="http://schemas.microsoft.com/office/drawing/2010/main" xmlns="" w="9525">
                   <a:solidFill>
                     <a:srgbClr val="000000"/>
                   </a:solidFill>
@@ -3486,7 +3492,7 @@
             </a:ln>
             <a:extLst>
               <a:ext uri="{91240B29-F687-4f45-9708-019B960494DF}">
-                <a14:hiddenLine xmlns="" xmlns:a14="http://schemas.microsoft.com/office/drawing/2010/main" w="9525">
+                <a14:hiddenLine xmlns:a14="http://schemas.microsoft.com/office/drawing/2010/main" xmlns="" w="9525">
                   <a:solidFill>
                     <a:srgbClr val="000000"/>
                   </a:solidFill>
@@ -3576,7 +3582,7 @@
             </a:ln>
             <a:extLst>
               <a:ext uri="{91240B29-F687-4f45-9708-019B960494DF}">
-                <a14:hiddenLine xmlns="" xmlns:a14="http://schemas.microsoft.com/office/drawing/2010/main" w="9525">
+                <a14:hiddenLine xmlns:a14="http://schemas.microsoft.com/office/drawing/2010/main" xmlns="" w="9525">
                   <a:solidFill>
                     <a:srgbClr val="000000"/>
                   </a:solidFill>
@@ -3638,7 +3644,7 @@
             </a:ln>
             <a:extLst>
               <a:ext uri="{91240B29-F687-4f45-9708-019B960494DF}">
-                <a14:hiddenLine xmlns="" xmlns:a14="http://schemas.microsoft.com/office/drawing/2010/main" w="9525">
+                <a14:hiddenLine xmlns:a14="http://schemas.microsoft.com/office/drawing/2010/main" xmlns="" w="9525">
                   <a:solidFill>
                     <a:srgbClr val="000000"/>
                   </a:solidFill>
@@ -3728,7 +3734,7 @@
             </a:ln>
             <a:extLst>
               <a:ext uri="{91240B29-F687-4f45-9708-019B960494DF}">
-                <a14:hiddenLine xmlns="" xmlns:a14="http://schemas.microsoft.com/office/drawing/2010/main" w="9525">
+                <a14:hiddenLine xmlns:a14="http://schemas.microsoft.com/office/drawing/2010/main" xmlns="" w="9525">
                   <a:solidFill>
                     <a:srgbClr val="000000"/>
                   </a:solidFill>
@@ -3762,7 +3768,7 @@
             </a:ln>
             <a:extLst>
               <a:ext uri="{91240B29-F687-4f45-9708-019B960494DF}">
-                <a14:hiddenLine xmlns="" xmlns:a14="http://schemas.microsoft.com/office/drawing/2010/main" w="9525">
+                <a14:hiddenLine xmlns:a14="http://schemas.microsoft.com/office/drawing/2010/main" xmlns="" w="9525">
                   <a:solidFill>
                     <a:srgbClr val="000000"/>
                   </a:solidFill>
@@ -3827,7 +3833,7 @@
             </a:ln>
             <a:extLst>
               <a:ext uri="{91240B29-F687-4f45-9708-019B960494DF}">
-                <a14:hiddenLine xmlns="" xmlns:a14="http://schemas.microsoft.com/office/drawing/2010/main" w="9525">
+                <a14:hiddenLine xmlns:a14="http://schemas.microsoft.com/office/drawing/2010/main" xmlns="" w="9525">
                   <a:solidFill>
                     <a:srgbClr val="000000"/>
                   </a:solidFill>
@@ -3917,7 +3923,7 @@
             </a:ln>
             <a:extLst>
               <a:ext uri="{91240B29-F687-4f45-9708-019B960494DF}">
-                <a14:hiddenLine xmlns="" xmlns:a14="http://schemas.microsoft.com/office/drawing/2010/main" w="9525">
+                <a14:hiddenLine xmlns:a14="http://schemas.microsoft.com/office/drawing/2010/main" xmlns="" w="9525">
                   <a:solidFill>
                     <a:srgbClr val="000000"/>
                   </a:solidFill>
@@ -3979,7 +3985,7 @@
             </a:ln>
             <a:extLst>
               <a:ext uri="{91240B29-F687-4f45-9708-019B960494DF}">
-                <a14:hiddenLine xmlns="" xmlns:a14="http://schemas.microsoft.com/office/drawing/2010/main" w="9525">
+                <a14:hiddenLine xmlns:a14="http://schemas.microsoft.com/office/drawing/2010/main" xmlns="" w="9525">
                   <a:solidFill>
                     <a:srgbClr val="000000"/>
                   </a:solidFill>
@@ -4069,7 +4075,7 @@
             </a:ln>
             <a:extLst>
               <a:ext uri="{91240B29-F687-4f45-9708-019B960494DF}">
-                <a14:hiddenLine xmlns="" xmlns:a14="http://schemas.microsoft.com/office/drawing/2010/main" w="9525">
+                <a14:hiddenLine xmlns:a14="http://schemas.microsoft.com/office/drawing/2010/main" xmlns="" w="9525">
                   <a:solidFill>
                     <a:srgbClr val="000000"/>
                   </a:solidFill>
@@ -4159,7 +4165,7 @@
             </a:ln>
             <a:extLst>
               <a:ext uri="{91240B29-F687-4f45-9708-019B960494DF}">
-                <a14:hiddenLine xmlns="" xmlns:a14="http://schemas.microsoft.com/office/drawing/2010/main" w="9525">
+                <a14:hiddenLine xmlns:a14="http://schemas.microsoft.com/office/drawing/2010/main" xmlns="" w="9525">
                   <a:solidFill>
                     <a:srgbClr val="000000"/>
                   </a:solidFill>
@@ -4224,7 +4230,7 @@
             </a:ln>
             <a:extLst>
               <a:ext uri="{91240B29-F687-4f45-9708-019B960494DF}">
-                <a14:hiddenLine xmlns="" xmlns:a14="http://schemas.microsoft.com/office/drawing/2010/main" w="9525">
+                <a14:hiddenLine xmlns:a14="http://schemas.microsoft.com/office/drawing/2010/main" xmlns="" w="9525">
                   <a:solidFill>
                     <a:srgbClr val="000000"/>
                   </a:solidFill>
@@ -4286,7 +4292,7 @@
             </a:ln>
             <a:extLst>
               <a:ext uri="{91240B29-F687-4f45-9708-019B960494DF}">
-                <a14:hiddenLine xmlns="" xmlns:a14="http://schemas.microsoft.com/office/drawing/2010/main" w="9525">
+                <a14:hiddenLine xmlns:a14="http://schemas.microsoft.com/office/drawing/2010/main" xmlns="" w="9525">
                   <a:solidFill>
                     <a:srgbClr val="000000"/>
                   </a:solidFill>
@@ -4376,7 +4382,7 @@
             </a:ln>
             <a:extLst>
               <a:ext uri="{91240B29-F687-4f45-9708-019B960494DF}">
-                <a14:hiddenLine xmlns="" xmlns:a14="http://schemas.microsoft.com/office/drawing/2010/main" w="9525">
+                <a14:hiddenLine xmlns:a14="http://schemas.microsoft.com/office/drawing/2010/main" xmlns="" w="9525">
                   <a:solidFill>
                     <a:srgbClr val="000000"/>
                   </a:solidFill>
@@ -4466,7 +4472,7 @@
             </a:ln>
             <a:extLst>
               <a:ext uri="{91240B29-F687-4f45-9708-019B960494DF}">
-                <a14:hiddenLine xmlns="" xmlns:a14="http://schemas.microsoft.com/office/drawing/2010/main" w="9525">
+                <a14:hiddenLine xmlns:a14="http://schemas.microsoft.com/office/drawing/2010/main" xmlns="" w="9525">
                   <a:solidFill>
                     <a:srgbClr val="000000"/>
                   </a:solidFill>
@@ -4528,7 +4534,7 @@
             </a:ln>
             <a:extLst>
               <a:ext uri="{91240B29-F687-4f45-9708-019B960494DF}">
-                <a14:hiddenLine xmlns="" xmlns:a14="http://schemas.microsoft.com/office/drawing/2010/main" w="9525">
+                <a14:hiddenLine xmlns:a14="http://schemas.microsoft.com/office/drawing/2010/main" xmlns="" w="9525">
                   <a:solidFill>
                     <a:srgbClr val="000000"/>
                   </a:solidFill>
@@ -4648,7 +4654,7 @@
             </a:ln>
             <a:extLst>
               <a:ext uri="{91240B29-F687-4f45-9708-019B960494DF}">
-                <a14:hiddenLine xmlns="" xmlns:a14="http://schemas.microsoft.com/office/drawing/2010/main" w="9525">
+                <a14:hiddenLine xmlns:a14="http://schemas.microsoft.com/office/drawing/2010/main" xmlns="" w="9525">
                   <a:solidFill>
                     <a:srgbClr val="000000"/>
                   </a:solidFill>
@@ -4716,7 +4722,7 @@
             </a:ln>
             <a:extLst>
               <a:ext uri="{91240B29-F687-4f45-9708-019B960494DF}">
-                <a14:hiddenLine xmlns="" xmlns:a14="http://schemas.microsoft.com/office/drawing/2010/main" w="9525">
+                <a14:hiddenLine xmlns:a14="http://schemas.microsoft.com/office/drawing/2010/main" xmlns="" w="9525">
                   <a:solidFill>
                     <a:srgbClr val="000000"/>
                   </a:solidFill>
@@ -4806,7 +4812,7 @@
             </a:ln>
             <a:extLst>
               <a:ext uri="{91240B29-F687-4f45-9708-019B960494DF}">
-                <a14:hiddenLine xmlns="" xmlns:a14="http://schemas.microsoft.com/office/drawing/2010/main" w="9525">
+                <a14:hiddenLine xmlns:a14="http://schemas.microsoft.com/office/drawing/2010/main" xmlns="" w="9525">
                   <a:solidFill>
                     <a:srgbClr val="000000"/>
                   </a:solidFill>
@@ -4946,7 +4952,7 @@
           <a:p>
             <a:fld id="{48A87A34-81AB-432B-8DAE-1953F412C126}" type="datetimeFigureOut">
               <a:rPr lang="en-US" smtClean="0"/>
-              <a:t>2/20/2024</a:t>
+              <a:t>2/21/2024</a:t>
             </a:fld>
             <a:endParaRPr lang="en-US" dirty="0"/>
           </a:p>
@@ -5213,7 +5219,7 @@
           <a:p>
             <a:fld id="{48A87A34-81AB-432B-8DAE-1953F412C126}" type="datetimeFigureOut">
               <a:rPr lang="en-US" smtClean="0"/>
-              <a:t>2/20/2024</a:t>
+              <a:t>2/21/2024</a:t>
             </a:fld>
             <a:endParaRPr lang="en-US" dirty="0"/>
           </a:p>
@@ -5409,7 +5415,7 @@
           <a:p>
             <a:fld id="{48A87A34-81AB-432B-8DAE-1953F412C126}" type="datetimeFigureOut">
               <a:rPr lang="en-US" smtClean="0"/>
-              <a:t>2/20/2024</a:t>
+              <a:t>2/21/2024</a:t>
             </a:fld>
             <a:endParaRPr lang="en-US" dirty="0"/>
           </a:p>
@@ -5672,7 +5678,7 @@
           <a:p>
             <a:fld id="{48A87A34-81AB-432B-8DAE-1953F412C126}" type="datetimeFigureOut">
               <a:rPr lang="en-US" smtClean="0"/>
-              <a:t>2/20/2024</a:t>
+              <a:t>2/21/2024</a:t>
             </a:fld>
             <a:endParaRPr lang="en-US" dirty="0"/>
           </a:p>
@@ -6106,7 +6112,7 @@
           <a:p>
             <a:fld id="{48A87A34-81AB-432B-8DAE-1953F412C126}" type="datetimeFigureOut">
               <a:rPr lang="en-US" smtClean="0"/>
-              <a:t>2/20/2024</a:t>
+              <a:t>2/21/2024</a:t>
             </a:fld>
             <a:endParaRPr lang="en-US" dirty="0"/>
           </a:p>
@@ -6652,7 +6658,7 @@
           <a:p>
             <a:fld id="{48A87A34-81AB-432B-8DAE-1953F412C126}" type="datetimeFigureOut">
               <a:rPr lang="en-US" smtClean="0"/>
-              <a:t>2/20/2024</a:t>
+              <a:t>2/21/2024</a:t>
             </a:fld>
             <a:endParaRPr lang="en-US" dirty="0"/>
           </a:p>
@@ -7372,7 +7378,7 @@
           <a:p>
             <a:fld id="{48A87A34-81AB-432B-8DAE-1953F412C126}" type="datetimeFigureOut">
               <a:rPr lang="en-US" smtClean="0"/>
-              <a:t>2/20/2024</a:t>
+              <a:t>2/21/2024</a:t>
             </a:fld>
             <a:endParaRPr lang="en-US" dirty="0"/>
           </a:p>
@@ -7542,7 +7548,7 @@
           <a:p>
             <a:fld id="{48A87A34-81AB-432B-8DAE-1953F412C126}" type="datetimeFigureOut">
               <a:rPr lang="en-US" smtClean="0"/>
-              <a:t>2/20/2024</a:t>
+              <a:t>2/21/2024</a:t>
             </a:fld>
             <a:endParaRPr lang="en-US" dirty="0"/>
           </a:p>
@@ -7722,7 +7728,7 @@
           <a:p>
             <a:fld id="{48A87A34-81AB-432B-8DAE-1953F412C126}" type="datetimeFigureOut">
               <a:rPr lang="en-US" smtClean="0"/>
-              <a:t>2/20/2024</a:t>
+              <a:t>2/21/2024</a:t>
             </a:fld>
             <a:endParaRPr lang="en-US" dirty="0"/>
           </a:p>
@@ -7892,7 +7898,7 @@
           <a:p>
             <a:fld id="{48A87A34-81AB-432B-8DAE-1953F412C126}" type="datetimeFigureOut">
               <a:rPr lang="en-US" smtClean="0"/>
-              <a:t>2/20/2024</a:t>
+              <a:t>2/21/2024</a:t>
             </a:fld>
             <a:endParaRPr lang="en-US" dirty="0"/>
           </a:p>
@@ -8142,7 +8148,7 @@
           <a:p>
             <a:fld id="{48A87A34-81AB-432B-8DAE-1953F412C126}" type="datetimeFigureOut">
               <a:rPr lang="en-US" smtClean="0"/>
-              <a:t>2/20/2024</a:t>
+              <a:t>2/21/2024</a:t>
             </a:fld>
             <a:endParaRPr lang="en-US" dirty="0"/>
           </a:p>
@@ -8374,7 +8380,7 @@
           <a:p>
             <a:fld id="{48A87A34-81AB-432B-8DAE-1953F412C126}" type="datetimeFigureOut">
               <a:rPr lang="en-US" smtClean="0"/>
-              <a:t>2/20/2024</a:t>
+              <a:t>2/21/2024</a:t>
             </a:fld>
             <a:endParaRPr lang="en-US" dirty="0"/>
           </a:p>
@@ -8755,7 +8761,7 @@
           <a:p>
             <a:fld id="{48A87A34-81AB-432B-8DAE-1953F412C126}" type="datetimeFigureOut">
               <a:rPr lang="en-US" smtClean="0"/>
-              <a:t>2/20/2024</a:t>
+              <a:t>2/21/2024</a:t>
             </a:fld>
             <a:endParaRPr lang="en-US" dirty="0"/>
           </a:p>
@@ -8873,7 +8879,7 @@
           <a:p>
             <a:fld id="{48A87A34-81AB-432B-8DAE-1953F412C126}" type="datetimeFigureOut">
               <a:rPr lang="en-US" smtClean="0"/>
-              <a:t>2/20/2024</a:t>
+              <a:t>2/21/2024</a:t>
             </a:fld>
             <a:endParaRPr lang="en-US" dirty="0"/>
           </a:p>
@@ -8968,7 +8974,7 @@
           <a:p>
             <a:fld id="{48A87A34-81AB-432B-8DAE-1953F412C126}" type="datetimeFigureOut">
               <a:rPr lang="en-US" smtClean="0"/>
-              <a:t>2/20/2024</a:t>
+              <a:t>2/21/2024</a:t>
             </a:fld>
             <a:endParaRPr lang="en-US" dirty="0"/>
           </a:p>
@@ -9217,7 +9223,7 @@
           <a:p>
             <a:fld id="{48A87A34-81AB-432B-8DAE-1953F412C126}" type="datetimeFigureOut">
               <a:rPr lang="en-US" smtClean="0"/>
-              <a:t>2/20/2024</a:t>
+              <a:t>2/21/2024</a:t>
             </a:fld>
             <a:endParaRPr lang="en-US" dirty="0"/>
           </a:p>
@@ -9497,7 +9503,7 @@
           <a:p>
             <a:fld id="{48A87A34-81AB-432B-8DAE-1953F412C126}" type="datetimeFigureOut">
               <a:rPr lang="en-US" smtClean="0"/>
-              <a:t>2/20/2024</a:t>
+              <a:t>2/21/2024</a:t>
             </a:fld>
             <a:endParaRPr lang="en-US" dirty="0"/>
           </a:p>
@@ -9620,7 +9626,7 @@
           <a:noFill/>
           <a:extLst>
             <a:ext uri="{909E8E84-426E-40dd-AFC4-6F175D3DCCD1}">
-              <a14:hiddenFill xmlns="" xmlns:a14="http://schemas.microsoft.com/office/drawing/2010/main">
+              <a14:hiddenFill xmlns:a14="http://schemas.microsoft.com/office/drawing/2010/main" xmlns="">
                 <a:solidFill>
                   <a:srgbClr val="FFFFFF"/>
                 </a:solidFill>
@@ -9694,7 +9700,7 @@
               </a:ln>
               <a:extLst>
                 <a:ext uri="{91240B29-F687-4f45-9708-019B960494DF}">
-                  <a14:hiddenLine xmlns="" xmlns:a14="http://schemas.microsoft.com/office/drawing/2010/main" w="9525">
+                  <a14:hiddenLine xmlns:a14="http://schemas.microsoft.com/office/drawing/2010/main" xmlns="" w="9525">
                     <a:solidFill>
                       <a:srgbClr val="000000"/>
                     </a:solidFill>
@@ -9784,7 +9790,7 @@
               </a:ln>
               <a:extLst>
                 <a:ext uri="{91240B29-F687-4f45-9708-019B960494DF}">
-                  <a14:hiddenLine xmlns="" xmlns:a14="http://schemas.microsoft.com/office/drawing/2010/main" w="9525">
+                  <a14:hiddenLine xmlns:a14="http://schemas.microsoft.com/office/drawing/2010/main" xmlns="" w="9525">
                     <a:solidFill>
                       <a:srgbClr val="000000"/>
                     </a:solidFill>
@@ -9874,7 +9880,7 @@
               </a:ln>
               <a:extLst>
                 <a:ext uri="{91240B29-F687-4f45-9708-019B960494DF}">
-                  <a14:hiddenLine xmlns="" xmlns:a14="http://schemas.microsoft.com/office/drawing/2010/main" w="9525">
+                  <a14:hiddenLine xmlns:a14="http://schemas.microsoft.com/office/drawing/2010/main" xmlns="" w="9525">
                     <a:solidFill>
                       <a:srgbClr val="000000"/>
                     </a:solidFill>
@@ -9936,7 +9942,7 @@
               </a:ln>
               <a:extLst>
                 <a:ext uri="{91240B29-F687-4f45-9708-019B960494DF}">
-                  <a14:hiddenLine xmlns="" xmlns:a14="http://schemas.microsoft.com/office/drawing/2010/main" w="9525">
+                  <a14:hiddenLine xmlns:a14="http://schemas.microsoft.com/office/drawing/2010/main" xmlns="" w="9525">
                     <a:solidFill>
                       <a:srgbClr val="000000"/>
                     </a:solidFill>
@@ -10026,7 +10032,7 @@
               </a:ln>
               <a:extLst>
                 <a:ext uri="{91240B29-F687-4f45-9708-019B960494DF}">
-                  <a14:hiddenLine xmlns="" xmlns:a14="http://schemas.microsoft.com/office/drawing/2010/main" w="9525">
+                  <a14:hiddenLine xmlns:a14="http://schemas.microsoft.com/office/drawing/2010/main" xmlns="" w="9525">
                     <a:solidFill>
                       <a:srgbClr val="000000"/>
                     </a:solidFill>
@@ -10088,7 +10094,7 @@
               </a:ln>
               <a:extLst>
                 <a:ext uri="{91240B29-F687-4f45-9708-019B960494DF}">
-                  <a14:hiddenLine xmlns="" xmlns:a14="http://schemas.microsoft.com/office/drawing/2010/main" w="9525">
+                  <a14:hiddenLine xmlns:a14="http://schemas.microsoft.com/office/drawing/2010/main" xmlns="" w="9525">
                     <a:solidFill>
                       <a:srgbClr val="000000"/>
                     </a:solidFill>
@@ -10150,7 +10156,7 @@
               </a:ln>
               <a:extLst>
                 <a:ext uri="{91240B29-F687-4f45-9708-019B960494DF}">
-                  <a14:hiddenLine xmlns="" xmlns:a14="http://schemas.microsoft.com/office/drawing/2010/main" w="9525">
+                  <a14:hiddenLine xmlns:a14="http://schemas.microsoft.com/office/drawing/2010/main" xmlns="" w="9525">
                     <a:solidFill>
                       <a:srgbClr val="000000"/>
                     </a:solidFill>
@@ -10240,7 +10246,7 @@
               </a:ln>
               <a:extLst>
                 <a:ext uri="{91240B29-F687-4f45-9708-019B960494DF}">
-                  <a14:hiddenLine xmlns="" xmlns:a14="http://schemas.microsoft.com/office/drawing/2010/main" w="9525">
+                  <a14:hiddenLine xmlns:a14="http://schemas.microsoft.com/office/drawing/2010/main" xmlns="" w="9525">
                     <a:solidFill>
                       <a:srgbClr val="000000"/>
                     </a:solidFill>
@@ -10330,7 +10336,7 @@
               </a:ln>
               <a:extLst>
                 <a:ext uri="{91240B29-F687-4f45-9708-019B960494DF}">
-                  <a14:hiddenLine xmlns="" xmlns:a14="http://schemas.microsoft.com/office/drawing/2010/main" w="9525">
+                  <a14:hiddenLine xmlns:a14="http://schemas.microsoft.com/office/drawing/2010/main" xmlns="" w="9525">
                     <a:solidFill>
                       <a:srgbClr val="000000"/>
                     </a:solidFill>
@@ -10392,7 +10398,7 @@
               </a:ln>
               <a:extLst>
                 <a:ext uri="{91240B29-F687-4f45-9708-019B960494DF}">
-                  <a14:hiddenLine xmlns="" xmlns:a14="http://schemas.microsoft.com/office/drawing/2010/main" w="9525">
+                  <a14:hiddenLine xmlns:a14="http://schemas.microsoft.com/office/drawing/2010/main" xmlns="" w="9525">
                     <a:solidFill>
                       <a:srgbClr val="000000"/>
                     </a:solidFill>
@@ -10502,7 +10508,7 @@
               </a:ln>
               <a:extLst>
                 <a:ext uri="{91240B29-F687-4f45-9708-019B960494DF}">
-                  <a14:hiddenLine xmlns="" xmlns:a14="http://schemas.microsoft.com/office/drawing/2010/main" w="9525">
+                  <a14:hiddenLine xmlns:a14="http://schemas.microsoft.com/office/drawing/2010/main" xmlns="" w="9525">
                     <a:solidFill>
                       <a:srgbClr val="000000"/>
                     </a:solidFill>
@@ -10586,7 +10592,7 @@
               </a:ln>
               <a:extLst>
                 <a:ext uri="{91240B29-F687-4f45-9708-019B960494DF}">
-                  <a14:hiddenLine xmlns="" xmlns:a14="http://schemas.microsoft.com/office/drawing/2010/main" w="9525">
+                  <a14:hiddenLine xmlns:a14="http://schemas.microsoft.com/office/drawing/2010/main" xmlns="" w="9525">
                     <a:solidFill>
                       <a:srgbClr val="000000"/>
                     </a:solidFill>
@@ -10648,7 +10654,7 @@
               </a:ln>
               <a:extLst>
                 <a:ext uri="{91240B29-F687-4f45-9708-019B960494DF}">
-                  <a14:hiddenLine xmlns="" xmlns:a14="http://schemas.microsoft.com/office/drawing/2010/main" w="9525">
+                  <a14:hiddenLine xmlns:a14="http://schemas.microsoft.com/office/drawing/2010/main" xmlns="" w="9525">
                     <a:solidFill>
                       <a:srgbClr val="000000"/>
                     </a:solidFill>
@@ -10710,7 +10716,7 @@
               </a:ln>
               <a:extLst>
                 <a:ext uri="{91240B29-F687-4f45-9708-019B960494DF}">
-                  <a14:hiddenLine xmlns="" xmlns:a14="http://schemas.microsoft.com/office/drawing/2010/main" w="9525">
+                  <a14:hiddenLine xmlns:a14="http://schemas.microsoft.com/office/drawing/2010/main" xmlns="" w="9525">
                     <a:solidFill>
                       <a:srgbClr val="000000"/>
                     </a:solidFill>
@@ -10800,7 +10806,7 @@
               </a:ln>
               <a:extLst>
                 <a:ext uri="{91240B29-F687-4f45-9708-019B960494DF}">
-                  <a14:hiddenLine xmlns="" xmlns:a14="http://schemas.microsoft.com/office/drawing/2010/main" w="9525">
+                  <a14:hiddenLine xmlns:a14="http://schemas.microsoft.com/office/drawing/2010/main" xmlns="" w="9525">
                     <a:solidFill>
                       <a:srgbClr val="000000"/>
                     </a:solidFill>
@@ -10834,7 +10840,7 @@
               </a:ln>
               <a:extLst>
                 <a:ext uri="{91240B29-F687-4f45-9708-019B960494DF}">
-                  <a14:hiddenLine xmlns="" xmlns:a14="http://schemas.microsoft.com/office/drawing/2010/main" w="9525">
+                  <a14:hiddenLine xmlns:a14="http://schemas.microsoft.com/office/drawing/2010/main" xmlns="" w="9525">
                     <a:solidFill>
                       <a:srgbClr val="000000"/>
                     </a:solidFill>
@@ -10899,7 +10905,7 @@
               </a:ln>
               <a:extLst>
                 <a:ext uri="{91240B29-F687-4f45-9708-019B960494DF}">
-                  <a14:hiddenLine xmlns="" xmlns:a14="http://schemas.microsoft.com/office/drawing/2010/main" w="9525">
+                  <a14:hiddenLine xmlns:a14="http://schemas.microsoft.com/office/drawing/2010/main" xmlns="" w="9525">
                     <a:solidFill>
                       <a:srgbClr val="000000"/>
                     </a:solidFill>
@@ -10989,7 +10995,7 @@
               </a:ln>
               <a:extLst>
                 <a:ext uri="{91240B29-F687-4f45-9708-019B960494DF}">
-                  <a14:hiddenLine xmlns="" xmlns:a14="http://schemas.microsoft.com/office/drawing/2010/main" w="9525">
+                  <a14:hiddenLine xmlns:a14="http://schemas.microsoft.com/office/drawing/2010/main" xmlns="" w="9525">
                     <a:solidFill>
                       <a:srgbClr val="000000"/>
                     </a:solidFill>
@@ -11051,7 +11057,7 @@
               </a:ln>
               <a:extLst>
                 <a:ext uri="{91240B29-F687-4f45-9708-019B960494DF}">
-                  <a14:hiddenLine xmlns="" xmlns:a14="http://schemas.microsoft.com/office/drawing/2010/main" w="9525">
+                  <a14:hiddenLine xmlns:a14="http://schemas.microsoft.com/office/drawing/2010/main" xmlns="" w="9525">
                     <a:solidFill>
                       <a:srgbClr val="000000"/>
                     </a:solidFill>
@@ -11141,7 +11147,7 @@
               </a:ln>
               <a:extLst>
                 <a:ext uri="{91240B29-F687-4f45-9708-019B960494DF}">
-                  <a14:hiddenLine xmlns="" xmlns:a14="http://schemas.microsoft.com/office/drawing/2010/main" w="9525">
+                  <a14:hiddenLine xmlns:a14="http://schemas.microsoft.com/office/drawing/2010/main" xmlns="" w="9525">
                     <a:solidFill>
                       <a:srgbClr val="000000"/>
                     </a:solidFill>
@@ -11206,7 +11212,7 @@
               </a:ln>
               <a:extLst>
                 <a:ext uri="{91240B29-F687-4f45-9708-019B960494DF}">
-                  <a14:hiddenLine xmlns="" xmlns:a14="http://schemas.microsoft.com/office/drawing/2010/main" w="9525">
+                  <a14:hiddenLine xmlns:a14="http://schemas.microsoft.com/office/drawing/2010/main" xmlns="" w="9525">
                     <a:solidFill>
                       <a:srgbClr val="000000"/>
                     </a:solidFill>
@@ -11268,7 +11274,7 @@
               </a:ln>
               <a:extLst>
                 <a:ext uri="{91240B29-F687-4f45-9708-019B960494DF}">
-                  <a14:hiddenLine xmlns="" xmlns:a14="http://schemas.microsoft.com/office/drawing/2010/main" w="9525">
+                  <a14:hiddenLine xmlns:a14="http://schemas.microsoft.com/office/drawing/2010/main" xmlns="" w="9525">
                     <a:solidFill>
                       <a:srgbClr val="000000"/>
                     </a:solidFill>
@@ -11358,7 +11364,7 @@
               </a:ln>
               <a:extLst>
                 <a:ext uri="{91240B29-F687-4f45-9708-019B960494DF}">
-                  <a14:hiddenLine xmlns="" xmlns:a14="http://schemas.microsoft.com/office/drawing/2010/main" w="9525">
+                  <a14:hiddenLine xmlns:a14="http://schemas.microsoft.com/office/drawing/2010/main" xmlns="" w="9525">
                     <a:solidFill>
                       <a:srgbClr val="000000"/>
                     </a:solidFill>
@@ -11448,7 +11454,7 @@
               </a:ln>
               <a:extLst>
                 <a:ext uri="{91240B29-F687-4f45-9708-019B960494DF}">
-                  <a14:hiddenLine xmlns="" xmlns:a14="http://schemas.microsoft.com/office/drawing/2010/main" w="9525">
+                  <a14:hiddenLine xmlns:a14="http://schemas.microsoft.com/office/drawing/2010/main" xmlns="" w="9525">
                     <a:solidFill>
                       <a:srgbClr val="000000"/>
                     </a:solidFill>
@@ -11513,7 +11519,7 @@
               </a:ln>
               <a:extLst>
                 <a:ext uri="{91240B29-F687-4f45-9708-019B960494DF}">
-                  <a14:hiddenLine xmlns="" xmlns:a14="http://schemas.microsoft.com/office/drawing/2010/main" w="9525">
+                  <a14:hiddenLine xmlns:a14="http://schemas.microsoft.com/office/drawing/2010/main" xmlns="" w="9525">
                     <a:solidFill>
                       <a:srgbClr val="000000"/>
                     </a:solidFill>
@@ -11633,7 +11639,7 @@
               </a:ln>
               <a:extLst>
                 <a:ext uri="{91240B29-F687-4f45-9708-019B960494DF}">
-                  <a14:hiddenLine xmlns="" xmlns:a14="http://schemas.microsoft.com/office/drawing/2010/main" w="9525">
+                  <a14:hiddenLine xmlns:a14="http://schemas.microsoft.com/office/drawing/2010/main" xmlns="" w="9525">
                     <a:solidFill>
                       <a:srgbClr val="000000"/>
                     </a:solidFill>
@@ -11714,7 +11720,7 @@
               </a:ln>
               <a:extLst>
                 <a:ext uri="{91240B29-F687-4f45-9708-019B960494DF}">
-                  <a14:hiddenLine xmlns="" xmlns:a14="http://schemas.microsoft.com/office/drawing/2010/main" w="9525">
+                  <a14:hiddenLine xmlns:a14="http://schemas.microsoft.com/office/drawing/2010/main" xmlns="" w="9525">
                     <a:solidFill>
                       <a:srgbClr val="000000"/>
                     </a:solidFill>
@@ -11829,7 +11835,7 @@
               </a:ln>
               <a:extLst>
                 <a:ext uri="{91240B29-F687-4f45-9708-019B960494DF}">
-                  <a14:hiddenLine xmlns="" xmlns:a14="http://schemas.microsoft.com/office/drawing/2010/main" w="9525">
+                  <a14:hiddenLine xmlns:a14="http://schemas.microsoft.com/office/drawing/2010/main" xmlns="" w="9525">
                     <a:solidFill>
                       <a:srgbClr val="000000"/>
                     </a:solidFill>
@@ -11919,7 +11925,7 @@
               </a:ln>
               <a:extLst>
                 <a:ext uri="{91240B29-F687-4f45-9708-019B960494DF}">
-                  <a14:hiddenLine xmlns="" xmlns:a14="http://schemas.microsoft.com/office/drawing/2010/main" w="9525">
+                  <a14:hiddenLine xmlns:a14="http://schemas.microsoft.com/office/drawing/2010/main" xmlns="" w="9525">
                     <a:solidFill>
                       <a:srgbClr val="000000"/>
                     </a:solidFill>
@@ -11984,7 +11990,7 @@
               </a:ln>
               <a:extLst>
                 <a:ext uri="{91240B29-F687-4f45-9708-019B960494DF}">
-                  <a14:hiddenLine xmlns="" xmlns:a14="http://schemas.microsoft.com/office/drawing/2010/main" w="9525">
+                  <a14:hiddenLine xmlns:a14="http://schemas.microsoft.com/office/drawing/2010/main" xmlns="" w="9525">
                     <a:solidFill>
                       <a:srgbClr val="000000"/>
                     </a:solidFill>
@@ -12074,7 +12080,7 @@
               </a:ln>
               <a:extLst>
                 <a:ext uri="{91240B29-F687-4f45-9708-019B960494DF}">
-                  <a14:hiddenLine xmlns="" xmlns:a14="http://schemas.microsoft.com/office/drawing/2010/main" w="9525">
+                  <a14:hiddenLine xmlns:a14="http://schemas.microsoft.com/office/drawing/2010/main" xmlns="" w="9525">
                     <a:solidFill>
                       <a:srgbClr val="000000"/>
                     </a:solidFill>
@@ -12142,7 +12148,7 @@
               </a:ln>
               <a:extLst>
                 <a:ext uri="{91240B29-F687-4f45-9708-019B960494DF}">
-                  <a14:hiddenLine xmlns="" xmlns:a14="http://schemas.microsoft.com/office/drawing/2010/main" w="9525">
+                  <a14:hiddenLine xmlns:a14="http://schemas.microsoft.com/office/drawing/2010/main" xmlns="" w="9525">
                     <a:solidFill>
                       <a:srgbClr val="000000"/>
                     </a:solidFill>
@@ -12232,7 +12238,7 @@
               </a:ln>
               <a:extLst>
                 <a:ext uri="{91240B29-F687-4f45-9708-019B960494DF}">
-                  <a14:hiddenLine xmlns="" xmlns:a14="http://schemas.microsoft.com/office/drawing/2010/main" w="9525">
+                  <a14:hiddenLine xmlns:a14="http://schemas.microsoft.com/office/drawing/2010/main" xmlns="" w="9525">
                     <a:solidFill>
                       <a:srgbClr val="000000"/>
                     </a:solidFill>
@@ -12300,7 +12306,7 @@
               </a:ln>
               <a:extLst>
                 <a:ext uri="{91240B29-F687-4f45-9708-019B960494DF}">
-                  <a14:hiddenLine xmlns="" xmlns:a14="http://schemas.microsoft.com/office/drawing/2010/main" w="9525">
+                  <a14:hiddenLine xmlns:a14="http://schemas.microsoft.com/office/drawing/2010/main" xmlns="" w="9525">
                     <a:solidFill>
                       <a:srgbClr val="000000"/>
                     </a:solidFill>
@@ -12390,7 +12396,7 @@
               </a:ln>
               <a:extLst>
                 <a:ext uri="{91240B29-F687-4f45-9708-019B960494DF}">
-                  <a14:hiddenLine xmlns="" xmlns:a14="http://schemas.microsoft.com/office/drawing/2010/main" w="9525">
+                  <a14:hiddenLine xmlns:a14="http://schemas.microsoft.com/office/drawing/2010/main" xmlns="" w="9525">
                     <a:solidFill>
                       <a:srgbClr val="000000"/>
                     </a:solidFill>
@@ -12424,7 +12430,7 @@
               </a:ln>
               <a:extLst>
                 <a:ext uri="{91240B29-F687-4f45-9708-019B960494DF}">
-                  <a14:hiddenLine xmlns="" xmlns:a14="http://schemas.microsoft.com/office/drawing/2010/main" w="9525">
+                  <a14:hiddenLine xmlns:a14="http://schemas.microsoft.com/office/drawing/2010/main" xmlns="" w="9525">
                     <a:solidFill>
                       <a:srgbClr val="000000"/>
                     </a:solidFill>
@@ -12565,7 +12571,7 @@
             <a:fld id="{48A87A34-81AB-432B-8DAE-1953F412C126}" type="datetimeFigureOut">
               <a:rPr lang="en-US" smtClean="0"/>
               <a:pPr/>
-              <a:t>2/20/2024</a:t>
+              <a:t>2/21/2024</a:t>
             </a:fld>
             <a:endParaRPr lang="en-US" dirty="0"/>
           </a:p>
@@ -13012,11 +13018,7 @@
             <a:pPr algn="ctr"/>
             <a:r>
               <a:rPr lang="en-US" sz="4800" dirty="0"/>
-              <a:t>Introduction to </a:t>
-            </a:r>
-            <a:r>
-              <a:rPr lang="en-US" sz="4800" dirty="0" err="1"/>
-              <a:t>DjAngo</a:t>
+              <a:t>Introduction to DjAngo</a:t>
             </a:r>
             <a:endParaRPr lang="en-US" sz="5400" dirty="0">
               <a:latin typeface="Rockwell" panose="02060603020205020403" pitchFamily="18" charset="0"/>
@@ -13059,6 +13061,265 @@
     <p:extLst>
       <p:ext uri="{BB962C8B-B14F-4D97-AF65-F5344CB8AC3E}">
         <p14:creationId xmlns:p14="http://schemas.microsoft.com/office/powerpoint/2010/main" val="1819359268"/>
+      </p:ext>
+    </p:extLst>
+  </p:cSld>
+  <p:clrMapOvr>
+    <a:masterClrMapping/>
+  </p:clrMapOvr>
+</p:sld>
+</file>
+
+<file path=ppt/slides/slide10.xml><?xml version="1.0" encoding="utf-8"?>
+<p:sld xmlns:a="http://schemas.openxmlformats.org/drawingml/2006/main" xmlns:r="http://schemas.openxmlformats.org/officeDocument/2006/relationships" xmlns:p="http://schemas.openxmlformats.org/presentationml/2006/main">
+  <p:cSld>
+    <p:spTree>
+      <p:nvGrpSpPr>
+        <p:cNvPr id="1" name=""/>
+        <p:cNvGrpSpPr/>
+        <p:nvPr/>
+      </p:nvGrpSpPr>
+      <p:grpSpPr>
+        <a:xfrm>
+          <a:off x="0" y="0"/>
+          <a:ext cx="0" cy="0"/>
+          <a:chOff x="0" y="0"/>
+          <a:chExt cx="0" cy="0"/>
+        </a:xfrm>
+      </p:grpSpPr>
+      <p:sp>
+        <p:nvSpPr>
+          <p:cNvPr id="2" name="Title 1">
+            <a:extLst>
+              <a:ext uri="{FF2B5EF4-FFF2-40B4-BE49-F238E27FC236}">
+                <a16:creationId xmlns:a16="http://schemas.microsoft.com/office/drawing/2014/main" id="{EA763B63-22BB-5390-02D8-0783712B507B}"/>
+              </a:ext>
+            </a:extLst>
+          </p:cNvPr>
+          <p:cNvSpPr>
+            <a:spLocks noGrp="1"/>
+          </p:cNvSpPr>
+          <p:nvPr>
+            <p:ph type="title"/>
+          </p:nvPr>
+        </p:nvSpPr>
+        <p:spPr/>
+        <p:txBody>
+          <a:bodyPr/>
+          <a:lstStyle/>
+          <a:p>
+            <a:r>
+              <a:rPr lang="en-US" dirty="0"/>
+              <a:t>Installing Django and PIPenv</a:t>
+            </a:r>
+            <a:endParaRPr lang="en-IN" dirty="0"/>
+          </a:p>
+        </p:txBody>
+      </p:sp>
+      <p:sp>
+        <p:nvSpPr>
+          <p:cNvPr id="3" name="Content Placeholder 2">
+            <a:extLst>
+              <a:ext uri="{FF2B5EF4-FFF2-40B4-BE49-F238E27FC236}">
+                <a16:creationId xmlns:a16="http://schemas.microsoft.com/office/drawing/2014/main" id="{BFB02640-AB12-9A83-0BB2-157710903D5E}"/>
+              </a:ext>
+            </a:extLst>
+          </p:cNvPr>
+          <p:cNvSpPr>
+            <a:spLocks noGrp="1"/>
+          </p:cNvSpPr>
+          <p:nvPr>
+            <p:ph idx="1"/>
+          </p:nvPr>
+        </p:nvSpPr>
+        <p:spPr/>
+        <p:txBody>
+          <a:bodyPr/>
+          <a:lstStyle/>
+          <a:p>
+            <a:r>
+              <a:rPr lang="en-US" dirty="0"/>
+              <a:t>PIPenv</a:t>
+            </a:r>
+          </a:p>
+          <a:p>
+            <a:pPr lvl="1"/>
+            <a:r>
+              <a:rPr lang="en-IN" dirty="0"/>
+              <a:t>pip install pipenv</a:t>
+            </a:r>
+          </a:p>
+          <a:p>
+            <a:r>
+              <a:rPr lang="en-IN" dirty="0"/>
+              <a:t>Django</a:t>
+            </a:r>
+          </a:p>
+          <a:p>
+            <a:pPr lvl="1"/>
+            <a:r>
+              <a:rPr lang="en-IN" dirty="0"/>
+              <a:t>pipenv install django</a:t>
+            </a:r>
+          </a:p>
+          <a:p>
+            <a:pPr lvl="1"/>
+            <a:r>
+              <a:rPr lang="en-IN" dirty="0"/>
+              <a:t>django-admin startproject demo .</a:t>
+            </a:r>
+          </a:p>
+          <a:p>
+            <a:pPr lvl="1"/>
+            <a:r>
+              <a:rPr lang="en-IN" dirty="0"/>
+              <a:t>python manage.py runserver 6754</a:t>
+            </a:r>
+          </a:p>
+          <a:p>
+            <a:pPr lvl="1"/>
+            <a:endParaRPr lang="en-IN" dirty="0"/>
+          </a:p>
+        </p:txBody>
+      </p:sp>
+    </p:spTree>
+    <p:extLst>
+      <p:ext uri="{BB962C8B-B14F-4D97-AF65-F5344CB8AC3E}">
+        <p14:creationId xmlns:p14="http://schemas.microsoft.com/office/powerpoint/2010/main" val="3277224091"/>
+      </p:ext>
+    </p:extLst>
+  </p:cSld>
+  <p:clrMapOvr>
+    <a:masterClrMapping/>
+  </p:clrMapOvr>
+</p:sld>
+</file>
+
+<file path=ppt/slides/slide11.xml><?xml version="1.0" encoding="utf-8"?>
+<p:sld xmlns:a="http://schemas.openxmlformats.org/drawingml/2006/main" xmlns:r="http://schemas.openxmlformats.org/officeDocument/2006/relationships" xmlns:p="http://schemas.openxmlformats.org/presentationml/2006/main">
+  <p:cSld>
+    <p:spTree>
+      <p:nvGrpSpPr>
+        <p:cNvPr id="1" name=""/>
+        <p:cNvGrpSpPr/>
+        <p:nvPr/>
+      </p:nvGrpSpPr>
+      <p:grpSpPr>
+        <a:xfrm>
+          <a:off x="0" y="0"/>
+          <a:ext cx="0" cy="0"/>
+          <a:chOff x="0" y="0"/>
+          <a:chExt cx="0" cy="0"/>
+        </a:xfrm>
+      </p:grpSpPr>
+      <p:sp>
+        <p:nvSpPr>
+          <p:cNvPr id="2" name="Title 1">
+            <a:extLst>
+              <a:ext uri="{FF2B5EF4-FFF2-40B4-BE49-F238E27FC236}">
+                <a16:creationId xmlns:a16="http://schemas.microsoft.com/office/drawing/2014/main" id="{BF8826B4-512D-EFD8-3588-5382570DBF5B}"/>
+              </a:ext>
+            </a:extLst>
+          </p:cNvPr>
+          <p:cNvSpPr>
+            <a:spLocks noGrp="1"/>
+          </p:cNvSpPr>
+          <p:nvPr>
+            <p:ph type="title"/>
+          </p:nvPr>
+        </p:nvSpPr>
+        <p:spPr>
+          <a:xfrm>
+            <a:off x="1143001" y="2689715"/>
+            <a:ext cx="9905998" cy="1478570"/>
+          </a:xfrm>
+        </p:spPr>
+        <p:txBody>
+          <a:bodyPr/>
+          <a:lstStyle/>
+          <a:p>
+            <a:r>
+              <a:rPr lang="en-US" dirty="0"/>
+              <a:t>Projects</a:t>
+            </a:r>
+            <a:endParaRPr lang="en-IN" dirty="0"/>
+          </a:p>
+        </p:txBody>
+      </p:sp>
+    </p:spTree>
+    <p:extLst>
+      <p:ext uri="{BB962C8B-B14F-4D97-AF65-F5344CB8AC3E}">
+        <p14:creationId xmlns:p14="http://schemas.microsoft.com/office/powerpoint/2010/main" val="1799432722"/>
+      </p:ext>
+    </p:extLst>
+  </p:cSld>
+  <p:clrMapOvr>
+    <a:masterClrMapping/>
+  </p:clrMapOvr>
+</p:sld>
+</file>
+
+<file path=ppt/slides/slide12.xml><?xml version="1.0" encoding="utf-8"?>
+<p:sld xmlns:a="http://schemas.openxmlformats.org/drawingml/2006/main" xmlns:r="http://schemas.openxmlformats.org/officeDocument/2006/relationships" xmlns:p="http://schemas.openxmlformats.org/presentationml/2006/main">
+  <p:cSld>
+    <p:spTree>
+      <p:nvGrpSpPr>
+        <p:cNvPr id="1" name="">
+          <a:extLst>
+            <a:ext uri="{FF2B5EF4-FFF2-40B4-BE49-F238E27FC236}">
+              <a16:creationId xmlns:a16="http://schemas.microsoft.com/office/drawing/2014/main" id="{EDEAC877-20BB-3C3C-5594-144379C6718F}"/>
+            </a:ext>
+          </a:extLst>
+        </p:cNvPr>
+        <p:cNvGrpSpPr/>
+        <p:nvPr/>
+      </p:nvGrpSpPr>
+      <p:grpSpPr>
+        <a:xfrm>
+          <a:off x="0" y="0"/>
+          <a:ext cx="0" cy="0"/>
+          <a:chOff x="0" y="0"/>
+          <a:chExt cx="0" cy="0"/>
+        </a:xfrm>
+      </p:grpSpPr>
+      <p:sp>
+        <p:nvSpPr>
+          <p:cNvPr id="2" name="Title 1">
+            <a:extLst>
+              <a:ext uri="{FF2B5EF4-FFF2-40B4-BE49-F238E27FC236}">
+                <a16:creationId xmlns:a16="http://schemas.microsoft.com/office/drawing/2014/main" id="{54DF5259-2C3D-651F-1AAD-7323B14A329A}"/>
+              </a:ext>
+            </a:extLst>
+          </p:cNvPr>
+          <p:cNvSpPr>
+            <a:spLocks noGrp="1"/>
+          </p:cNvSpPr>
+          <p:nvPr>
+            <p:ph type="title"/>
+          </p:nvPr>
+        </p:nvSpPr>
+        <p:spPr>
+          <a:xfrm>
+            <a:off x="1143001" y="2689715"/>
+            <a:ext cx="9905998" cy="1478570"/>
+          </a:xfrm>
+        </p:spPr>
+        <p:txBody>
+          <a:bodyPr/>
+          <a:lstStyle/>
+          <a:p>
+            <a:r>
+              <a:rPr lang="en-US" dirty="0"/>
+              <a:t>Thank You</a:t>
+            </a:r>
+            <a:endParaRPr lang="en-IN" dirty="0"/>
+          </a:p>
+        </p:txBody>
+      </p:sp>
+    </p:spTree>
+    <p:extLst>
+      <p:ext uri="{BB962C8B-B14F-4D97-AF65-F5344CB8AC3E}">
+        <p14:creationId xmlns:p14="http://schemas.microsoft.com/office/powerpoint/2010/main" val="2687106102"/>
       </p:ext>
     </p:extLst>
   </p:cSld>
@@ -13135,7 +13396,9 @@
         </p:nvSpPr>
         <p:spPr/>
         <p:txBody>
-          <a:bodyPr/>
+          <a:bodyPr>
+            <a:normAutofit fontScale="92500" lnSpcReduction="10000"/>
+          </a:bodyPr>
           <a:lstStyle/>
           <a:p>
             <a:r>
@@ -13147,6 +13410,36 @@
             <a:r>
               <a:rPr lang="en-US" dirty="0"/>
               <a:t>What is Web Application</a:t>
+            </a:r>
+          </a:p>
+          <a:p>
+            <a:r>
+              <a:rPr lang="en-IN" dirty="0"/>
+              <a:t>What is API</a:t>
+            </a:r>
+          </a:p>
+          <a:p>
+            <a:r>
+              <a:rPr lang="en-US" dirty="0"/>
+              <a:t>What are Apps in Django</a:t>
+            </a:r>
+          </a:p>
+          <a:p>
+            <a:r>
+              <a:rPr lang="en-US" dirty="0"/>
+              <a:t>Django – MVC or MVT</a:t>
+            </a:r>
+          </a:p>
+          <a:p>
+            <a:r>
+              <a:rPr lang="en-US" dirty="0"/>
+              <a:t>Installing Django and PIPenv</a:t>
+            </a:r>
+          </a:p>
+          <a:p>
+            <a:r>
+              <a:rPr lang="en-US" dirty="0"/>
+              <a:t>Projects</a:t>
             </a:r>
             <a:endParaRPr lang="en-IN" dirty="0"/>
           </a:p>
@@ -13716,7 +14009,7 @@
           <a:p>
             <a:r>
               <a:rPr lang="en-US" dirty="0"/>
-              <a:t>Different types of </a:t>
+              <a:t>Different types of Responses </a:t>
             </a:r>
             <a:endParaRPr lang="en-IN" dirty="0"/>
           </a:p>
@@ -13743,7 +14036,29 @@
           <a:bodyPr/>
           <a:lstStyle/>
           <a:p>
-            <a:endParaRPr lang="en-IN"/>
+            <a:r>
+              <a:rPr lang="en-US" dirty="0"/>
+              <a:t>HTML</a:t>
+            </a:r>
+          </a:p>
+          <a:p>
+            <a:r>
+              <a:rPr lang="en-US" dirty="0"/>
+              <a:t>JSON</a:t>
+            </a:r>
+          </a:p>
+          <a:p>
+            <a:r>
+              <a:rPr lang="en-US" dirty="0"/>
+              <a:t>File</a:t>
+            </a:r>
+          </a:p>
+          <a:p>
+            <a:r>
+              <a:rPr lang="en-US" dirty="0"/>
+              <a:t>Empty</a:t>
+            </a:r>
+            <a:endParaRPr lang="en-IN" dirty="0"/>
           </a:p>
         </p:txBody>
       </p:sp>
@@ -13751,6 +14066,358 @@
     <p:extLst>
       <p:ext uri="{BB962C8B-B14F-4D97-AF65-F5344CB8AC3E}">
         <p14:creationId xmlns:p14="http://schemas.microsoft.com/office/powerpoint/2010/main" val="282467379"/>
+      </p:ext>
+    </p:extLst>
+  </p:cSld>
+  <p:clrMapOvr>
+    <a:masterClrMapping/>
+  </p:clrMapOvr>
+</p:sld>
+</file>
+
+<file path=ppt/slides/slide7.xml><?xml version="1.0" encoding="utf-8"?>
+<p:sld xmlns:a="http://schemas.openxmlformats.org/drawingml/2006/main" xmlns:r="http://schemas.openxmlformats.org/officeDocument/2006/relationships" xmlns:p="http://schemas.openxmlformats.org/presentationml/2006/main">
+  <p:cSld>
+    <p:spTree>
+      <p:nvGrpSpPr>
+        <p:cNvPr id="1" name=""/>
+        <p:cNvGrpSpPr/>
+        <p:nvPr/>
+      </p:nvGrpSpPr>
+      <p:grpSpPr>
+        <a:xfrm>
+          <a:off x="0" y="0"/>
+          <a:ext cx="0" cy="0"/>
+          <a:chOff x="0" y="0"/>
+          <a:chExt cx="0" cy="0"/>
+        </a:xfrm>
+      </p:grpSpPr>
+      <p:sp>
+        <p:nvSpPr>
+          <p:cNvPr id="2" name="Title 1">
+            <a:extLst>
+              <a:ext uri="{FF2B5EF4-FFF2-40B4-BE49-F238E27FC236}">
+                <a16:creationId xmlns:a16="http://schemas.microsoft.com/office/drawing/2014/main" id="{E50939A6-A1A7-A437-9FD9-504A4F14DA0C}"/>
+              </a:ext>
+            </a:extLst>
+          </p:cNvPr>
+          <p:cNvSpPr>
+            <a:spLocks noGrp="1"/>
+          </p:cNvSpPr>
+          <p:nvPr>
+            <p:ph type="title"/>
+          </p:nvPr>
+        </p:nvSpPr>
+        <p:spPr/>
+        <p:txBody>
+          <a:bodyPr/>
+          <a:lstStyle/>
+          <a:p>
+            <a:r>
+              <a:rPr lang="en-IN" dirty="0"/>
+              <a:t>What is API</a:t>
+            </a:r>
+          </a:p>
+        </p:txBody>
+      </p:sp>
+      <p:sp>
+        <p:nvSpPr>
+          <p:cNvPr id="3" name="Content Placeholder 2">
+            <a:extLst>
+              <a:ext uri="{FF2B5EF4-FFF2-40B4-BE49-F238E27FC236}">
+                <a16:creationId xmlns:a16="http://schemas.microsoft.com/office/drawing/2014/main" id="{D9219880-282F-50C3-56BB-3558B6B822BD}"/>
+              </a:ext>
+            </a:extLst>
+          </p:cNvPr>
+          <p:cNvSpPr>
+            <a:spLocks noGrp="1"/>
+          </p:cNvSpPr>
+          <p:nvPr>
+            <p:ph idx="1"/>
+          </p:nvPr>
+        </p:nvSpPr>
+        <p:spPr/>
+        <p:txBody>
+          <a:bodyPr/>
+          <a:lstStyle/>
+          <a:p>
+            <a:r>
+              <a:rPr lang="en-IN" dirty="0"/>
+              <a:t>API or </a:t>
+            </a:r>
+            <a:r>
+              <a:rPr lang="en-IN" b="1" dirty="0"/>
+              <a:t>Application Programming Interface </a:t>
+            </a:r>
+            <a:r>
+              <a:rPr lang="en-IN" dirty="0"/>
+              <a:t>can be thought of as a medium of communications between two applications.</a:t>
+            </a:r>
+          </a:p>
+          <a:p>
+            <a:r>
+              <a:rPr lang="en-IN" dirty="0"/>
+              <a:t>Methods</a:t>
+            </a:r>
+          </a:p>
+          <a:p>
+            <a:pPr lvl="1"/>
+            <a:r>
+              <a:rPr lang="en-IN" dirty="0"/>
+              <a:t>GET</a:t>
+            </a:r>
+          </a:p>
+          <a:p>
+            <a:pPr lvl="1"/>
+            <a:r>
+              <a:rPr lang="en-IN" dirty="0"/>
+              <a:t>POST</a:t>
+            </a:r>
+          </a:p>
+          <a:p>
+            <a:pPr lvl="1"/>
+            <a:r>
+              <a:rPr lang="en-IN" dirty="0"/>
+              <a:t>PUT</a:t>
+            </a:r>
+          </a:p>
+          <a:p>
+            <a:pPr lvl="1"/>
+            <a:r>
+              <a:rPr lang="en-IN" dirty="0"/>
+              <a:t>DELETE</a:t>
+            </a:r>
+          </a:p>
+        </p:txBody>
+      </p:sp>
+    </p:spTree>
+    <p:extLst>
+      <p:ext uri="{BB962C8B-B14F-4D97-AF65-F5344CB8AC3E}">
+        <p14:creationId xmlns:p14="http://schemas.microsoft.com/office/powerpoint/2010/main" val="2078040552"/>
+      </p:ext>
+    </p:extLst>
+  </p:cSld>
+  <p:clrMapOvr>
+    <a:masterClrMapping/>
+  </p:clrMapOvr>
+</p:sld>
+</file>
+
+<file path=ppt/slides/slide8.xml><?xml version="1.0" encoding="utf-8"?>
+<p:sld xmlns:a="http://schemas.openxmlformats.org/drawingml/2006/main" xmlns:r="http://schemas.openxmlformats.org/officeDocument/2006/relationships" xmlns:p="http://schemas.openxmlformats.org/presentationml/2006/main">
+  <p:cSld>
+    <p:spTree>
+      <p:nvGrpSpPr>
+        <p:cNvPr id="1" name=""/>
+        <p:cNvGrpSpPr/>
+        <p:nvPr/>
+      </p:nvGrpSpPr>
+      <p:grpSpPr>
+        <a:xfrm>
+          <a:off x="0" y="0"/>
+          <a:ext cx="0" cy="0"/>
+          <a:chOff x="0" y="0"/>
+          <a:chExt cx="0" cy="0"/>
+        </a:xfrm>
+      </p:grpSpPr>
+      <p:sp>
+        <p:nvSpPr>
+          <p:cNvPr id="2" name="Title 1">
+            <a:extLst>
+              <a:ext uri="{FF2B5EF4-FFF2-40B4-BE49-F238E27FC236}">
+                <a16:creationId xmlns:a16="http://schemas.microsoft.com/office/drawing/2014/main" id="{9470D18C-E2A6-7AFD-0DD9-F9B2E8E3D345}"/>
+              </a:ext>
+            </a:extLst>
+          </p:cNvPr>
+          <p:cNvSpPr>
+            <a:spLocks noGrp="1"/>
+          </p:cNvSpPr>
+          <p:nvPr>
+            <p:ph type="title"/>
+          </p:nvPr>
+        </p:nvSpPr>
+        <p:spPr/>
+        <p:txBody>
+          <a:bodyPr/>
+          <a:lstStyle/>
+          <a:p>
+            <a:r>
+              <a:rPr lang="en-US" dirty="0"/>
+              <a:t>What are Apps in Django</a:t>
+            </a:r>
+            <a:endParaRPr lang="en-IN" dirty="0"/>
+          </a:p>
+        </p:txBody>
+      </p:sp>
+      <p:sp>
+        <p:nvSpPr>
+          <p:cNvPr id="3" name="Content Placeholder 2">
+            <a:extLst>
+              <a:ext uri="{FF2B5EF4-FFF2-40B4-BE49-F238E27FC236}">
+                <a16:creationId xmlns:a16="http://schemas.microsoft.com/office/drawing/2014/main" id="{EC0DCC56-4017-2151-4C25-DC6C129582F4}"/>
+              </a:ext>
+            </a:extLst>
+          </p:cNvPr>
+          <p:cNvSpPr>
+            <a:spLocks noGrp="1"/>
+          </p:cNvSpPr>
+          <p:nvPr>
+            <p:ph idx="1"/>
+          </p:nvPr>
+        </p:nvSpPr>
+        <p:spPr/>
+        <p:txBody>
+          <a:bodyPr/>
+          <a:lstStyle/>
+          <a:p>
+            <a:r>
+              <a:rPr lang="en-US" dirty="0"/>
+              <a:t>Django project is just a collections of apps</a:t>
+            </a:r>
+          </a:p>
+          <a:p>
+            <a:r>
+              <a:rPr lang="en-US" dirty="0"/>
+              <a:t>Every app we create needs to be declared</a:t>
+            </a:r>
+            <a:br>
+              <a:rPr lang="en-US" dirty="0"/>
+            </a:br>
+            <a:r>
+              <a:rPr lang="en-US" dirty="0"/>
+              <a:t>in settings.py file</a:t>
+            </a:r>
+          </a:p>
+          <a:p>
+            <a:r>
+              <a:rPr lang="en-IN" dirty="0"/>
+              <a:t>python manage.py startapp home</a:t>
+            </a:r>
+          </a:p>
+        </p:txBody>
+      </p:sp>
+      <p:pic>
+        <p:nvPicPr>
+          <p:cNvPr id="5" name="Picture 4">
+            <a:extLst>
+              <a:ext uri="{FF2B5EF4-FFF2-40B4-BE49-F238E27FC236}">
+                <a16:creationId xmlns:a16="http://schemas.microsoft.com/office/drawing/2014/main" id="{76B5D321-E724-EFE0-8C94-814B8FF074C6}"/>
+              </a:ext>
+            </a:extLst>
+          </p:cNvPr>
+          <p:cNvPicPr>
+            <a:picLocks noChangeAspect="1"/>
+          </p:cNvPicPr>
+          <p:nvPr/>
+        </p:nvPicPr>
+        <p:blipFill>
+          <a:blip r:embed="rId2"/>
+          <a:stretch>
+            <a:fillRect/>
+          </a:stretch>
+        </p:blipFill>
+        <p:spPr>
+          <a:xfrm>
+            <a:off x="6909143" y="2410394"/>
+            <a:ext cx="2657846" cy="1609950"/>
+          </a:xfrm>
+          <a:prstGeom prst="rect">
+            <a:avLst/>
+          </a:prstGeom>
+        </p:spPr>
+      </p:pic>
+    </p:spTree>
+    <p:extLst>
+      <p:ext uri="{BB962C8B-B14F-4D97-AF65-F5344CB8AC3E}">
+        <p14:creationId xmlns:p14="http://schemas.microsoft.com/office/powerpoint/2010/main" val="3823046359"/>
+      </p:ext>
+    </p:extLst>
+  </p:cSld>
+  <p:clrMapOvr>
+    <a:masterClrMapping/>
+  </p:clrMapOvr>
+</p:sld>
+</file>
+
+<file path=ppt/slides/slide9.xml><?xml version="1.0" encoding="utf-8"?>
+<p:sld xmlns:a="http://schemas.openxmlformats.org/drawingml/2006/main" xmlns:r="http://schemas.openxmlformats.org/officeDocument/2006/relationships" xmlns:p="http://schemas.openxmlformats.org/presentationml/2006/main">
+  <p:cSld>
+    <p:spTree>
+      <p:nvGrpSpPr>
+        <p:cNvPr id="1" name=""/>
+        <p:cNvGrpSpPr/>
+        <p:nvPr/>
+      </p:nvGrpSpPr>
+      <p:grpSpPr>
+        <a:xfrm>
+          <a:off x="0" y="0"/>
+          <a:ext cx="0" cy="0"/>
+          <a:chOff x="0" y="0"/>
+          <a:chExt cx="0" cy="0"/>
+        </a:xfrm>
+      </p:grpSpPr>
+      <p:sp>
+        <p:nvSpPr>
+          <p:cNvPr id="2" name="Title 1">
+            <a:extLst>
+              <a:ext uri="{FF2B5EF4-FFF2-40B4-BE49-F238E27FC236}">
+                <a16:creationId xmlns:a16="http://schemas.microsoft.com/office/drawing/2014/main" id="{B63FBA1D-3322-20C0-87E2-C6EB192BA67E}"/>
+              </a:ext>
+            </a:extLst>
+          </p:cNvPr>
+          <p:cNvSpPr>
+            <a:spLocks noGrp="1"/>
+          </p:cNvSpPr>
+          <p:nvPr>
+            <p:ph type="title"/>
+          </p:nvPr>
+        </p:nvSpPr>
+        <p:spPr/>
+        <p:txBody>
+          <a:bodyPr/>
+          <a:lstStyle/>
+          <a:p>
+            <a:r>
+              <a:rPr lang="en-US" dirty="0"/>
+              <a:t>Django – MVC or MVT</a:t>
+            </a:r>
+            <a:endParaRPr lang="en-IN" dirty="0"/>
+          </a:p>
+        </p:txBody>
+      </p:sp>
+      <p:pic>
+        <p:nvPicPr>
+          <p:cNvPr id="5" name="Content Placeholder 4">
+            <a:extLst>
+              <a:ext uri="{FF2B5EF4-FFF2-40B4-BE49-F238E27FC236}">
+                <a16:creationId xmlns:a16="http://schemas.microsoft.com/office/drawing/2014/main" id="{EBD25C17-3235-8A15-5FDB-8957E784A93A}"/>
+              </a:ext>
+            </a:extLst>
+          </p:cNvPr>
+          <p:cNvPicPr>
+            <a:picLocks noGrp="1" noChangeAspect="1"/>
+          </p:cNvPicPr>
+          <p:nvPr>
+            <p:ph idx="1"/>
+          </p:nvPr>
+        </p:nvPicPr>
+        <p:blipFill>
+          <a:blip r:embed="rId2"/>
+          <a:stretch>
+            <a:fillRect/>
+          </a:stretch>
+        </p:blipFill>
+        <p:spPr>
+          <a:xfrm>
+            <a:off x="2774057" y="2097088"/>
+            <a:ext cx="6640710" cy="3541712"/>
+          </a:xfrm>
+        </p:spPr>
+      </p:pic>
+    </p:spTree>
+    <p:extLst>
+      <p:ext uri="{BB962C8B-B14F-4D97-AF65-F5344CB8AC3E}">
+        <p14:creationId xmlns:p14="http://schemas.microsoft.com/office/powerpoint/2010/main" val="146074180"/>
       </p:ext>
     </p:extLst>
   </p:cSld>
@@ -14610,15 +15277,6 @@
 </file>
 
 <file path=customXml/item2.xml><?xml version="1.0" encoding="utf-8"?>
-<?mso-contentType ?>
-<FormTemplates xmlns="http://schemas.microsoft.com/sharepoint/v3/contenttype/forms">
-  <Display>DocumentLibraryForm</Display>
-  <Edit>DocumentLibraryForm</Edit>
-  <New>DocumentLibraryForm</New>
-</FormTemplates>
-</file>
-
-<file path=customXml/item3.xml><?xml version="1.0" encoding="utf-8"?>
 <ct:contentTypeSchema xmlns:ct="http://schemas.microsoft.com/office/2006/metadata/contentType" xmlns:ma="http://schemas.microsoft.com/office/2006/metadata/properties/metaAttributes" ct:_="" ma:_="" ma:contentTypeName="Document" ma:contentTypeID="0x01010079F111ED35F8CC479449609E8A0923A6" ma:contentTypeVersion="11" ma:contentTypeDescription="Create a new document." ma:contentTypeScope="" ma:versionID="96291512c1ee715ab617f4c07df79fc1">
   <xsd:schema xmlns:xsd="http://www.w3.org/2001/XMLSchema" xmlns:xs="http://www.w3.org/2001/XMLSchema" xmlns:p="http://schemas.microsoft.com/office/2006/metadata/properties" xmlns:ns2="71af3243-3dd4-4a8d-8c0d-dd76da1f02a5" xmlns:ns3="16c05727-aa75-4e4a-9b5f-8a80a1165891" targetNamespace="http://schemas.microsoft.com/office/2006/metadata/properties" ma:root="true" ma:fieldsID="8256c27c40ca5c40ce1cf6c44f0205df" ns2:_="" ns3:_="">
     <xsd:import namespace="71af3243-3dd4-4a8d-8c0d-dd76da1f02a5"/>
@@ -14829,6 +15487,15 @@
 </ct:contentTypeSchema>
 </file>
 
+<file path=customXml/item3.xml><?xml version="1.0" encoding="utf-8"?>
+<?mso-contentType ?>
+<FormTemplates xmlns="http://schemas.microsoft.com/sharepoint/v3/contenttype/forms">
+  <Display>DocumentLibraryForm</Display>
+  <Edit>DocumentLibraryForm</Edit>
+  <New>DocumentLibraryForm</New>
+</FormTemplates>
+</file>
+
 <file path=customXml/itemProps1.xml><?xml version="1.0" encoding="utf-8"?>
 <ds:datastoreItem xmlns:ds="http://schemas.openxmlformats.org/officeDocument/2006/customXml" ds:itemID="{E7866CFD-F94E-4AE5-ACEA-86FEC0F48A10}">
   <ds:schemaRefs>
@@ -14840,14 +15507,6 @@
 </file>
 
 <file path=customXml/itemProps2.xml><?xml version="1.0" encoding="utf-8"?>
-<ds:datastoreItem xmlns:ds="http://schemas.openxmlformats.org/officeDocument/2006/customXml" ds:itemID="{B579702B-25C7-40D7-9E29-7686B11A9660}">
-  <ds:schemaRefs>
-    <ds:schemaRef ds:uri="http://schemas.microsoft.com/sharepoint/v3/contenttype/forms"/>
-  </ds:schemaRefs>
-</ds:datastoreItem>
-</file>
-
-<file path=customXml/itemProps3.xml><?xml version="1.0" encoding="utf-8"?>
 <ds:datastoreItem xmlns:ds="http://schemas.openxmlformats.org/officeDocument/2006/customXml" ds:itemID="{A7C0B241-13E5-418D-8920-D23491E2D2C0}">
   <ds:schemaRefs>
     <ds:schemaRef ds:uri="http://schemas.microsoft.com/office/2006/metadata/contentType"/>
@@ -14864,4 +15523,12 @@
     <ds:schemaRef ds:uri="http://schemas.microsoft.com/internal/obd"/>
   </ds:schemaRefs>
 </ds:datastoreItem>
+</file>
+
+<file path=customXml/itemProps3.xml><?xml version="1.0" encoding="utf-8"?>
+<ds:datastoreItem xmlns:ds="http://schemas.openxmlformats.org/officeDocument/2006/customXml" ds:itemID="{B579702B-25C7-40D7-9E29-7686B11A9660}">
+  <ds:schemaRefs>
+    <ds:schemaRef ds:uri="http://schemas.microsoft.com/sharepoint/v3/contenttype/forms"/>
+  </ds:schemaRefs>
+</ds:datastoreItem>
 </file>